--- a/JavaScript.pptx
+++ b/JavaScript.pptx
@@ -209,7 +209,7 @@
           <a:p>
             <a:fld id="{C30C52B6-D4DA-42B9-8809-C0E704BD7075}" type="datetimeFigureOut">
               <a:rPr lang="zh-TW" altLang="en-US" smtClean="0"/>
-              <a:t>2024/4/29</a:t>
+              <a:t>2024/4/30</a:t>
             </a:fld>
             <a:endParaRPr lang="zh-TW" altLang="en-US"/>
           </a:p>
@@ -623,7 +623,7 @@
           <a:p>
             <a:fld id="{0F670A74-D1AF-4147-809E-2997D183EA19}" type="datetimeFigureOut">
               <a:rPr lang="zh-TW" altLang="en-US" smtClean="0"/>
-              <a:t>2024/4/29</a:t>
+              <a:t>2024/4/30</a:t>
             </a:fld>
             <a:endParaRPr lang="zh-TW" altLang="en-US"/>
           </a:p>
@@ -821,7 +821,7 @@
           <a:p>
             <a:fld id="{0F670A74-D1AF-4147-809E-2997D183EA19}" type="datetimeFigureOut">
               <a:rPr lang="zh-TW" altLang="en-US" smtClean="0"/>
-              <a:t>2024/4/29</a:t>
+              <a:t>2024/4/30</a:t>
             </a:fld>
             <a:endParaRPr lang="zh-TW" altLang="en-US"/>
           </a:p>
@@ -1029,7 +1029,7 @@
           <a:p>
             <a:fld id="{0F670A74-D1AF-4147-809E-2997D183EA19}" type="datetimeFigureOut">
               <a:rPr lang="zh-TW" altLang="en-US" smtClean="0"/>
-              <a:t>2024/4/29</a:t>
+              <a:t>2024/4/30</a:t>
             </a:fld>
             <a:endParaRPr lang="zh-TW" altLang="en-US"/>
           </a:p>
@@ -1227,7 +1227,7 @@
           <a:p>
             <a:fld id="{0F670A74-D1AF-4147-809E-2997D183EA19}" type="datetimeFigureOut">
               <a:rPr lang="zh-TW" altLang="en-US" smtClean="0"/>
-              <a:t>2024/4/29</a:t>
+              <a:t>2024/4/30</a:t>
             </a:fld>
             <a:endParaRPr lang="zh-TW" altLang="en-US"/>
           </a:p>
@@ -1502,7 +1502,7 @@
           <a:p>
             <a:fld id="{0F670A74-D1AF-4147-809E-2997D183EA19}" type="datetimeFigureOut">
               <a:rPr lang="zh-TW" altLang="en-US" smtClean="0"/>
-              <a:t>2024/4/29</a:t>
+              <a:t>2024/4/30</a:t>
             </a:fld>
             <a:endParaRPr lang="zh-TW" altLang="en-US"/>
           </a:p>
@@ -1767,7 +1767,7 @@
           <a:p>
             <a:fld id="{0F670A74-D1AF-4147-809E-2997D183EA19}" type="datetimeFigureOut">
               <a:rPr lang="zh-TW" altLang="en-US" smtClean="0"/>
-              <a:t>2024/4/29</a:t>
+              <a:t>2024/4/30</a:t>
             </a:fld>
             <a:endParaRPr lang="zh-TW" altLang="en-US"/>
           </a:p>
@@ -2179,7 +2179,7 @@
           <a:p>
             <a:fld id="{0F670A74-D1AF-4147-809E-2997D183EA19}" type="datetimeFigureOut">
               <a:rPr lang="zh-TW" altLang="en-US" smtClean="0"/>
-              <a:t>2024/4/29</a:t>
+              <a:t>2024/4/30</a:t>
             </a:fld>
             <a:endParaRPr lang="zh-TW" altLang="en-US"/>
           </a:p>
@@ -2320,7 +2320,7 @@
           <a:p>
             <a:fld id="{0F670A74-D1AF-4147-809E-2997D183EA19}" type="datetimeFigureOut">
               <a:rPr lang="zh-TW" altLang="en-US" smtClean="0"/>
-              <a:t>2024/4/29</a:t>
+              <a:t>2024/4/30</a:t>
             </a:fld>
             <a:endParaRPr lang="zh-TW" altLang="en-US"/>
           </a:p>
@@ -2433,7 +2433,7 @@
           <a:p>
             <a:fld id="{0F670A74-D1AF-4147-809E-2997D183EA19}" type="datetimeFigureOut">
               <a:rPr lang="zh-TW" altLang="en-US" smtClean="0"/>
-              <a:t>2024/4/29</a:t>
+              <a:t>2024/4/30</a:t>
             </a:fld>
             <a:endParaRPr lang="zh-TW" altLang="en-US"/>
           </a:p>
@@ -2744,7 +2744,7 @@
           <a:p>
             <a:fld id="{0F670A74-D1AF-4147-809E-2997D183EA19}" type="datetimeFigureOut">
               <a:rPr lang="zh-TW" altLang="en-US" smtClean="0"/>
-              <a:t>2024/4/29</a:t>
+              <a:t>2024/4/30</a:t>
             </a:fld>
             <a:endParaRPr lang="zh-TW" altLang="en-US"/>
           </a:p>
@@ -3032,7 +3032,7 @@
           <a:p>
             <a:fld id="{0F670A74-D1AF-4147-809E-2997D183EA19}" type="datetimeFigureOut">
               <a:rPr lang="zh-TW" altLang="en-US" smtClean="0"/>
-              <a:t>2024/4/29</a:t>
+              <a:t>2024/4/30</a:t>
             </a:fld>
             <a:endParaRPr lang="zh-TW" altLang="en-US"/>
           </a:p>
@@ -3273,7 +3273,7 @@
           <a:p>
             <a:fld id="{0F670A74-D1AF-4147-809E-2997D183EA19}" type="datetimeFigureOut">
               <a:rPr lang="zh-TW" altLang="en-US" smtClean="0"/>
-              <a:t>2024/4/29</a:t>
+              <a:t>2024/4/30</a:t>
             </a:fld>
             <a:endParaRPr lang="zh-TW" altLang="en-US"/>
           </a:p>
@@ -5830,7 +5830,7 @@
         </p:blipFill>
         <p:spPr bwMode="auto">
           <a:xfrm>
-            <a:off x="1086993" y="1562672"/>
+            <a:off x="1086993" y="1512338"/>
             <a:ext cx="10018014" cy="4715074"/>
           </a:xfrm>
           <a:prstGeom prst="rect">
@@ -5848,6 +5848,111 @@
           </a:extLst>
         </p:spPr>
       </p:pic>
+      <p:sp>
+        <p:nvSpPr>
+          <p:cNvPr id="3" name="文字方塊 2">
+            <a:extLst>
+              <a:ext uri="{FF2B5EF4-FFF2-40B4-BE49-F238E27FC236}">
+                <a16:creationId xmlns:a16="http://schemas.microsoft.com/office/drawing/2014/main" id="{44B498A3-CB0B-4C95-BD2C-831EEFFF554A}"/>
+              </a:ext>
+            </a:extLst>
+          </p:cNvPr>
+          <p:cNvSpPr txBox="1"/>
+          <p:nvPr/>
+        </p:nvSpPr>
+        <p:spPr>
+          <a:xfrm>
+            <a:off x="3926048" y="3391677"/>
+            <a:ext cx="1338828" cy="369332"/>
+          </a:xfrm>
+          <a:prstGeom prst="rect">
+            <a:avLst/>
+          </a:prstGeom>
+          <a:noFill/>
+        </p:spPr>
+        <p:txBody>
+          <a:bodyPr wrap="none" rtlCol="0">
+            <a:spAutoFit/>
+          </a:bodyPr>
+          <a:lstStyle/>
+          <a:p>
+            <a:r>
+              <a:rPr lang="zh-TW" altLang="en-US" dirty="0"/>
+              <a:t>函式作用域</a:t>
+            </a:r>
+          </a:p>
+        </p:txBody>
+      </p:sp>
+      <p:sp>
+        <p:nvSpPr>
+          <p:cNvPr id="5" name="文字方塊 4">
+            <a:extLst>
+              <a:ext uri="{FF2B5EF4-FFF2-40B4-BE49-F238E27FC236}">
+                <a16:creationId xmlns:a16="http://schemas.microsoft.com/office/drawing/2014/main" id="{A6CC4779-4821-4BBD-A046-E4F1184B5559}"/>
+              </a:ext>
+            </a:extLst>
+          </p:cNvPr>
+          <p:cNvSpPr txBox="1"/>
+          <p:nvPr/>
+        </p:nvSpPr>
+        <p:spPr>
+          <a:xfrm>
+            <a:off x="3926048" y="4502093"/>
+            <a:ext cx="1338828" cy="369332"/>
+          </a:xfrm>
+          <a:prstGeom prst="rect">
+            <a:avLst/>
+          </a:prstGeom>
+          <a:noFill/>
+        </p:spPr>
+        <p:txBody>
+          <a:bodyPr wrap="none" rtlCol="0">
+            <a:spAutoFit/>
+          </a:bodyPr>
+          <a:lstStyle/>
+          <a:p>
+            <a:r>
+              <a:rPr lang="zh-TW" altLang="en-US" dirty="0"/>
+              <a:t>區塊作用域</a:t>
+            </a:r>
+          </a:p>
+        </p:txBody>
+      </p:sp>
+      <p:sp>
+        <p:nvSpPr>
+          <p:cNvPr id="7" name="文字方塊 6">
+            <a:extLst>
+              <a:ext uri="{FF2B5EF4-FFF2-40B4-BE49-F238E27FC236}">
+                <a16:creationId xmlns:a16="http://schemas.microsoft.com/office/drawing/2014/main" id="{EA777B28-8BF8-429F-98A5-0679C981F3BA}"/>
+              </a:ext>
+            </a:extLst>
+          </p:cNvPr>
+          <p:cNvSpPr txBox="1"/>
+          <p:nvPr/>
+        </p:nvSpPr>
+        <p:spPr>
+          <a:xfrm>
+            <a:off x="3926048" y="5612510"/>
+            <a:ext cx="1338828" cy="369332"/>
+          </a:xfrm>
+          <a:prstGeom prst="rect">
+            <a:avLst/>
+          </a:prstGeom>
+          <a:noFill/>
+        </p:spPr>
+        <p:txBody>
+          <a:bodyPr wrap="none" rtlCol="0">
+            <a:spAutoFit/>
+          </a:bodyPr>
+          <a:lstStyle/>
+          <a:p>
+            <a:r>
+              <a:rPr lang="zh-TW" altLang="en-US" dirty="0"/>
+              <a:t>區塊作用域</a:t>
+            </a:r>
+          </a:p>
+        </p:txBody>
+      </p:sp>
     </p:spTree>
     <p:extLst>
       <p:ext uri="{BB962C8B-B14F-4D97-AF65-F5344CB8AC3E}">
@@ -5917,35 +6022,6 @@
       </p:sp>
       <p:pic>
         <p:nvPicPr>
-          <p:cNvPr id="10" name="內容版面配置區 9">
-            <a:extLst>
-              <a:ext uri="{FF2B5EF4-FFF2-40B4-BE49-F238E27FC236}">
-                <a16:creationId xmlns:a16="http://schemas.microsoft.com/office/drawing/2014/main" id="{B734CD88-E2E7-4DF9-B213-08FFB3E997D3}"/>
-              </a:ext>
-            </a:extLst>
-          </p:cNvPr>
-          <p:cNvPicPr>
-            <a:picLocks noGrp="1" noChangeAspect="1"/>
-          </p:cNvPicPr>
-          <p:nvPr>
-            <p:ph idx="1"/>
-          </p:nvPr>
-        </p:nvPicPr>
-        <p:blipFill>
-          <a:blip r:embed="rId2"/>
-          <a:stretch>
-            <a:fillRect/>
-          </a:stretch>
-        </p:blipFill>
-        <p:spPr>
-          <a:xfrm>
-            <a:off x="5038219" y="1496368"/>
-            <a:ext cx="4410691" cy="2314898"/>
-          </a:xfrm>
-        </p:spPr>
-      </p:pic>
-      <p:pic>
-        <p:nvPicPr>
           <p:cNvPr id="12" name="圖片 11">
             <a:extLst>
               <a:ext uri="{FF2B5EF4-FFF2-40B4-BE49-F238E27FC236}">
@@ -5959,7 +6035,7 @@
           <p:nvPr/>
         </p:nvPicPr>
         <p:blipFill>
-          <a:blip r:embed="rId3"/>
+          <a:blip r:embed="rId2"/>
           <a:stretch>
             <a:fillRect/>
           </a:stretch>
@@ -5989,7 +6065,7 @@
           <p:nvPr/>
         </p:nvPicPr>
         <p:blipFill>
-          <a:blip r:embed="rId4"/>
+          <a:blip r:embed="rId3"/>
           <a:stretch>
             <a:fillRect/>
           </a:stretch>
@@ -6089,6 +6165,61 @@
           </a:p>
         </p:txBody>
       </p:sp>
+      <p:sp>
+        <p:nvSpPr>
+          <p:cNvPr id="6" name="內容版面配置區 5">
+            <a:extLst>
+              <a:ext uri="{FF2B5EF4-FFF2-40B4-BE49-F238E27FC236}">
+                <a16:creationId xmlns:a16="http://schemas.microsoft.com/office/drawing/2014/main" id="{EBF4F387-0D6D-4927-A06D-D6BD59323C5D}"/>
+              </a:ext>
+            </a:extLst>
+          </p:cNvPr>
+          <p:cNvSpPr>
+            <a:spLocks noGrp="1"/>
+          </p:cNvSpPr>
+          <p:nvPr>
+            <p:ph idx="1"/>
+          </p:nvPr>
+        </p:nvSpPr>
+        <p:spPr/>
+        <p:txBody>
+          <a:bodyPr/>
+          <a:lstStyle/>
+          <a:p>
+            <a:endParaRPr lang="zh-TW" altLang="en-US"/>
+          </a:p>
+        </p:txBody>
+      </p:sp>
+      <p:pic>
+        <p:nvPicPr>
+          <p:cNvPr id="8" name="圖片 7">
+            <a:extLst>
+              <a:ext uri="{FF2B5EF4-FFF2-40B4-BE49-F238E27FC236}">
+                <a16:creationId xmlns:a16="http://schemas.microsoft.com/office/drawing/2014/main" id="{57FA5F72-8EA0-4933-AD12-10F04AE0321E}"/>
+              </a:ext>
+            </a:extLst>
+          </p:cNvPr>
+          <p:cNvPicPr>
+            <a:picLocks noChangeAspect="1"/>
+          </p:cNvPicPr>
+          <p:nvPr/>
+        </p:nvPicPr>
+        <p:blipFill>
+          <a:blip r:embed="rId4"/>
+          <a:stretch>
+            <a:fillRect/>
+          </a:stretch>
+        </p:blipFill>
+        <p:spPr>
+          <a:xfrm>
+            <a:off x="5059116" y="1388849"/>
+            <a:ext cx="3194140" cy="2403671"/>
+          </a:xfrm>
+          <a:prstGeom prst="rect">
+            <a:avLst/>
+          </a:prstGeom>
+        </p:spPr>
+      </p:pic>
     </p:spTree>
     <p:extLst>
       <p:ext uri="{BB962C8B-B14F-4D97-AF65-F5344CB8AC3E}">
